--- a/r-docker-cheatsheet.pptx
+++ b/r-docker-cheatsheet.pptx
@@ -243,7 +243,7 @@
           <a:p>
             <a:fld id="{F8F8917B-B939-1947-B07A-F3414B25C0C5}" type="datetimeFigureOut">
               <a:rPr lang="en-CH" smtClean="0"/>
-              <a:t>24.04.23</a:t>
+              <a:t>28.04.23</a:t>
             </a:fld>
             <a:endParaRPr lang="en-CH"/>
           </a:p>
@@ -413,7 +413,7 @@
           <a:p>
             <a:fld id="{F8F8917B-B939-1947-B07A-F3414B25C0C5}" type="datetimeFigureOut">
               <a:rPr lang="en-CH" smtClean="0"/>
-              <a:t>24.04.23</a:t>
+              <a:t>28.04.23</a:t>
             </a:fld>
             <a:endParaRPr lang="en-CH"/>
           </a:p>
@@ -593,7 +593,7 @@
           <a:p>
             <a:fld id="{F8F8917B-B939-1947-B07A-F3414B25C0C5}" type="datetimeFigureOut">
               <a:rPr lang="en-CH" smtClean="0"/>
-              <a:t>24.04.23</a:t>
+              <a:t>28.04.23</a:t>
             </a:fld>
             <a:endParaRPr lang="en-CH"/>
           </a:p>
@@ -763,7 +763,7 @@
           <a:p>
             <a:fld id="{F8F8917B-B939-1947-B07A-F3414B25C0C5}" type="datetimeFigureOut">
               <a:rPr lang="en-CH" smtClean="0"/>
-              <a:t>24.04.23</a:t>
+              <a:t>28.04.23</a:t>
             </a:fld>
             <a:endParaRPr lang="en-CH"/>
           </a:p>
@@ -1007,7 +1007,7 @@
           <a:p>
             <a:fld id="{F8F8917B-B939-1947-B07A-F3414B25C0C5}" type="datetimeFigureOut">
               <a:rPr lang="en-CH" smtClean="0"/>
-              <a:t>24.04.23</a:t>
+              <a:t>28.04.23</a:t>
             </a:fld>
             <a:endParaRPr lang="en-CH"/>
           </a:p>
@@ -1239,7 +1239,7 @@
           <a:p>
             <a:fld id="{F8F8917B-B939-1947-B07A-F3414B25C0C5}" type="datetimeFigureOut">
               <a:rPr lang="en-CH" smtClean="0"/>
-              <a:t>24.04.23</a:t>
+              <a:t>28.04.23</a:t>
             </a:fld>
             <a:endParaRPr lang="en-CH"/>
           </a:p>
@@ -1606,7 +1606,7 @@
           <a:p>
             <a:fld id="{F8F8917B-B939-1947-B07A-F3414B25C0C5}" type="datetimeFigureOut">
               <a:rPr lang="en-CH" smtClean="0"/>
-              <a:t>24.04.23</a:t>
+              <a:t>28.04.23</a:t>
             </a:fld>
             <a:endParaRPr lang="en-CH"/>
           </a:p>
@@ -1724,7 +1724,7 @@
           <a:p>
             <a:fld id="{F8F8917B-B939-1947-B07A-F3414B25C0C5}" type="datetimeFigureOut">
               <a:rPr lang="en-CH" smtClean="0"/>
-              <a:t>24.04.23</a:t>
+              <a:t>28.04.23</a:t>
             </a:fld>
             <a:endParaRPr lang="en-CH"/>
           </a:p>
@@ -1819,7 +1819,7 @@
           <a:p>
             <a:fld id="{F8F8917B-B939-1947-B07A-F3414B25C0C5}" type="datetimeFigureOut">
               <a:rPr lang="en-CH" smtClean="0"/>
-              <a:t>24.04.23</a:t>
+              <a:t>28.04.23</a:t>
             </a:fld>
             <a:endParaRPr lang="en-CH"/>
           </a:p>
@@ -2096,7 +2096,7 @@
           <a:p>
             <a:fld id="{F8F8917B-B939-1947-B07A-F3414B25C0C5}" type="datetimeFigureOut">
               <a:rPr lang="en-CH" smtClean="0"/>
-              <a:t>24.04.23</a:t>
+              <a:t>28.04.23</a:t>
             </a:fld>
             <a:endParaRPr lang="en-CH"/>
           </a:p>
@@ -2353,7 +2353,7 @@
           <a:p>
             <a:fld id="{F8F8917B-B939-1947-B07A-F3414B25C0C5}" type="datetimeFigureOut">
               <a:rPr lang="en-CH" smtClean="0"/>
-              <a:t>24.04.23</a:t>
+              <a:t>28.04.23</a:t>
             </a:fld>
             <a:endParaRPr lang="en-CH"/>
           </a:p>
@@ -2566,7 +2566,7 @@
           <a:p>
             <a:fld id="{F8F8917B-B939-1947-B07A-F3414B25C0C5}" type="datetimeFigureOut">
               <a:rPr lang="en-CH" smtClean="0"/>
-              <a:t>24.04.23</a:t>
+              <a:t>28.04.23</a:t>
             </a:fld>
             <a:endParaRPr lang="en-CH"/>
           </a:p>
@@ -2986,14 +2986,14 @@
           <p:nvPr>
             <p:extLst>
               <p:ext uri="{D42A27DB-BD31-4B8C-83A1-F6EECF244321}">
-                <p14:modId xmlns:p14="http://schemas.microsoft.com/office/powerpoint/2010/main" val="1400018060"/>
+                <p14:modId xmlns:p14="http://schemas.microsoft.com/office/powerpoint/2010/main" val="1201218258"/>
               </p:ext>
             </p:extLst>
           </p:nvPr>
         </p:nvGraphicFramePr>
         <p:xfrm>
-          <a:off x="3683282" y="4591024"/>
-          <a:ext cx="5985278" cy="1037836"/>
+          <a:off x="5733782" y="4602280"/>
+          <a:ext cx="3934779" cy="1010963"/>
         </p:xfrm>
         <a:graphic>
           <a:graphicData uri="http://schemas.openxmlformats.org/drawingml/2006/table">
@@ -3020,20 +3020,6 @@
                   <a:extLst>
                     <a:ext uri="{9D8B030D-6E8A-4147-A177-3AD203B41FA5}">
                       <a16:colId xmlns:a16="http://schemas.microsoft.com/office/drawing/2014/main" val="2554840950"/>
-                    </a:ext>
-                  </a:extLst>
-                </a:gridCol>
-                <a:gridCol w="1014343">
-                  <a:extLst>
-                    <a:ext uri="{9D8B030D-6E8A-4147-A177-3AD203B41FA5}">
-                      <a16:colId xmlns:a16="http://schemas.microsoft.com/office/drawing/2014/main" val="1390180869"/>
-                    </a:ext>
-                  </a:extLst>
-                </a:gridCol>
-                <a:gridCol w="1036156">
-                  <a:extLst>
-                    <a:ext uri="{9D8B030D-6E8A-4147-A177-3AD203B41FA5}">
-                      <a16:colId xmlns:a16="http://schemas.microsoft.com/office/drawing/2014/main" val="4124837353"/>
                     </a:ext>
                   </a:extLst>
                 </a:gridCol>
@@ -3165,61 +3151,6 @@
                     <a:bodyPr/>
                     <a:lstStyle/>
                     <a:p>
-                      <a:pPr algn="ctr" rtl="0" fontAlgn="ctr"/>
-                      <a:r>
-                        <a:rPr lang="en-US" sz="1100" b="0" u="none" strike="noStrike" dirty="0">
-                          <a:effectLst/>
-                          <a:hlinkClick r:id="rId4"/>
-                        </a:rPr>
-                        <a:t>rocker/r-ubuntu</a:t>
-                      </a:r>
-                      <a:endParaRPr lang="en-US" sz="1100" b="0" i="0" u="none" strike="noStrike" dirty="0">
-                        <a:solidFill>
-                          <a:srgbClr val="000000"/>
-                        </a:solidFill>
-                        <a:effectLst/>
-                        <a:latin typeface="Calibri" panose="020F0502020204030204" pitchFamily="34" charset="0"/>
-                      </a:endParaRPr>
-                    </a:p>
-                  </a:txBody>
-                  <a:tcPr marL="7999" marR="7999" marT="7999" marB="0"/>
-                </a:tc>
-                <a:tc>
-                  <a:txBody>
-                    <a:bodyPr/>
-                    <a:lstStyle/>
-                    <a:p>
-                      <a:pPr algn="ctr" rtl="0" fontAlgn="ctr"/>
-                      <a:r>
-                        <a:rPr lang="en-US" sz="1100" b="0" u="none" strike="noStrike" dirty="0">
-                          <a:effectLst/>
-                          <a:hlinkClick r:id="rId4"/>
-                        </a:rPr>
-                        <a:t>rocker/r-</a:t>
-                      </a:r>
-                      <a:r>
-                        <a:rPr lang="en-US" sz="1100" b="0" u="none" strike="noStrike" dirty="0" err="1">
-                          <a:effectLst/>
-                          <a:hlinkClick r:id="rId4"/>
-                        </a:rPr>
-                        <a:t>bspm</a:t>
-                      </a:r>
-                      <a:endParaRPr lang="en-US" sz="1100" b="0" i="0" u="none" strike="noStrike" dirty="0">
-                        <a:solidFill>
-                          <a:srgbClr val="000000"/>
-                        </a:solidFill>
-                        <a:effectLst/>
-                        <a:latin typeface="Calibri" panose="020F0502020204030204" pitchFamily="34" charset="0"/>
-                      </a:endParaRPr>
-                    </a:p>
-                  </a:txBody>
-                  <a:tcPr marL="7999" marR="7999" marT="7999" marB="0"/>
-                </a:tc>
-                <a:tc>
-                  <a:txBody>
-                    <a:bodyPr/>
-                    <a:lstStyle/>
-                    <a:p>
                       <a:pPr marL="0" marR="0" lvl="0" indent="0" algn="ctr" defTabSz="914400" rtl="0" eaLnBrk="1" fontAlgn="ctr" latinLnBrk="0" hangingPunct="1">
                         <a:lnSpc>
                           <a:spcPct val="100000"/>
@@ -3246,7 +3177,7 @@
                           <a:latin typeface="+mn-lt"/>
                           <a:ea typeface="+mn-ea"/>
                           <a:cs typeface="+mn-cs"/>
-                          <a:hlinkClick r:id="rId5"/>
+                          <a:hlinkClick r:id="rId4"/>
                         </a:rPr>
                         <a:t>rocker/r2u</a:t>
                       </a:r>
@@ -3316,52 +3247,6 @@
                         <a:t>No</a:t>
                       </a:r>
                       <a:endParaRPr lang="en-US" sz="1100" b="0" i="0" u="none" strike="noStrike">
-                        <a:solidFill>
-                          <a:srgbClr val="000000"/>
-                        </a:solidFill>
-                        <a:effectLst/>
-                        <a:latin typeface="Calibri" panose="020F0502020204030204" pitchFamily="34" charset="0"/>
-                      </a:endParaRPr>
-                    </a:p>
-                  </a:txBody>
-                  <a:tcPr marL="7999" marR="7999" marT="7999" marB="0" anchor="ctr"/>
-                </a:tc>
-                <a:tc>
-                  <a:txBody>
-                    <a:bodyPr/>
-                    <a:lstStyle/>
-                    <a:p>
-                      <a:pPr algn="ctr" rtl="0" fontAlgn="ctr"/>
-                      <a:r>
-                        <a:rPr lang="en-US" sz="1100" u="none" strike="noStrike" dirty="0">
-                          <a:effectLst/>
-                        </a:rPr>
-                        <a:t>Yes</a:t>
-                      </a:r>
-                      <a:endParaRPr lang="en-US" sz="1100" b="0" i="0" u="none" strike="noStrike" dirty="0">
-                        <a:solidFill>
-                          <a:srgbClr val="000000"/>
-                        </a:solidFill>
-                        <a:effectLst/>
-                        <a:latin typeface="Calibri" panose="020F0502020204030204" pitchFamily="34" charset="0"/>
-                      </a:endParaRPr>
-                    </a:p>
-                  </a:txBody>
-                  <a:tcPr marL="7999" marR="7999" marT="7999" marB="0" anchor="ctr"/>
-                </a:tc>
-                <a:tc>
-                  <a:txBody>
-                    <a:bodyPr/>
-                    <a:lstStyle/>
-                    <a:p>
-                      <a:pPr algn="ctr" rtl="0" fontAlgn="ctr"/>
-                      <a:r>
-                        <a:rPr lang="en-US" sz="1100" u="none" strike="noStrike" dirty="0">
-                          <a:effectLst/>
-                        </a:rPr>
-                        <a:t>Yes</a:t>
-                      </a:r>
-                      <a:endParaRPr lang="en-US" sz="1100" b="0" i="0" u="none" strike="noStrike" dirty="0">
                         <a:solidFill>
                           <a:srgbClr val="000000"/>
                         </a:solidFill>
@@ -3540,84 +3425,6 @@
                     <a:bodyPr/>
                     <a:lstStyle/>
                     <a:p>
-                      <a:pPr algn="ctr" rtl="0" fontAlgn="ctr"/>
-                      <a:r>
-                        <a:rPr lang="en-US" sz="1100" u="none" strike="noStrike" dirty="0">
-                          <a:effectLst/>
-                        </a:rPr>
-                        <a:t>CRAN (</a:t>
-                      </a:r>
-                      <a:r>
-                        <a:rPr lang="en-US" sz="1100" u="none" strike="noStrike" dirty="0">
-                          <a:solidFill>
-                            <a:srgbClr val="C00000"/>
-                          </a:solidFill>
-                          <a:effectLst/>
-                        </a:rPr>
-                        <a:t>source</a:t>
-                      </a:r>
-                      <a:r>
-                        <a:rPr lang="en-US" sz="1100" u="none" strike="noStrike" dirty="0">
-                          <a:effectLst/>
-                        </a:rPr>
-                        <a:t>)</a:t>
-                      </a:r>
-                      <a:endParaRPr lang="en-US" sz="1100" b="0" i="0" u="none" strike="noStrike" dirty="0">
-                        <a:solidFill>
-                          <a:srgbClr val="000000"/>
-                        </a:solidFill>
-                        <a:effectLst/>
-                        <a:latin typeface="Calibri" panose="020F0502020204030204" pitchFamily="34" charset="0"/>
-                      </a:endParaRPr>
-                    </a:p>
-                  </a:txBody>
-                  <a:tcPr marL="7999" marR="7999" marT="7999" marB="0" anchor="ctr"/>
-                </a:tc>
-                <a:tc>
-                  <a:txBody>
-                    <a:bodyPr/>
-                    <a:lstStyle/>
-                    <a:p>
-                      <a:pPr algn="r" rtl="0" fontAlgn="ctr"/>
-                      <a:r>
-                        <a:rPr lang="en-US" sz="1100" u="none" strike="noStrike" dirty="0">
-                          <a:effectLst/>
-                        </a:rPr>
-                        <a:t>package manager (</a:t>
-                      </a:r>
-                      <a:r>
-                        <a:rPr lang="en-US" sz="1100" u="none" strike="noStrike" dirty="0">
-                          <a:solidFill>
-                            <a:schemeClr val="accent6">
-                              <a:lumMod val="75000"/>
-                            </a:schemeClr>
-                          </a:solidFill>
-                          <a:effectLst/>
-                        </a:rPr>
-                        <a:t>binary</a:t>
-                      </a:r>
-                      <a:r>
-                        <a:rPr lang="en-US" sz="1100" u="none" strike="noStrike" dirty="0">
-                          <a:effectLst/>
-                        </a:rPr>
-                        <a:t>)</a:t>
-                      </a:r>
-                      <a:endParaRPr lang="en-US" sz="1100" b="0" i="0" u="none" strike="noStrike" dirty="0">
-                        <a:solidFill>
-                          <a:srgbClr val="000000"/>
-                        </a:solidFill>
-                        <a:effectLst/>
-                        <a:latin typeface="Calibri" panose="020F0502020204030204" pitchFamily="34" charset="0"/>
-                      </a:endParaRPr>
-                    </a:p>
-                  </a:txBody>
-                  <a:tcPr marL="7999" marR="7999" marT="7999" marB="0" anchor="ctr"/>
-                </a:tc>
-                <a:tc>
-                  <a:txBody>
-                    <a:bodyPr/>
-                    <a:lstStyle/>
-                    <a:p>
                       <a:pPr algn="r" rtl="0" fontAlgn="ctr"/>
                       <a:r>
                         <a:rPr lang="en-US" sz="1100" b="0" i="0" u="none" strike="noStrike" dirty="0">
@@ -3738,64 +3545,6 @@
                     <a:p>
                       <a:pPr algn="ctr" rtl="0" fontAlgn="ctr"/>
                       <a:r>
-                        <a:rPr lang="en-US" sz="1100" u="none" strike="noStrike" dirty="0">
-                          <a:effectLst/>
-                        </a:rPr>
-                        <a:t>ubuntu</a:t>
-                      </a:r>
-                      <a:endParaRPr lang="en-US" sz="1100" b="0" i="0" u="none" strike="noStrike" dirty="0">
-                        <a:solidFill>
-                          <a:srgbClr val="000000"/>
-                        </a:solidFill>
-                        <a:effectLst/>
-                        <a:latin typeface="Calibri" panose="020F0502020204030204" pitchFamily="34" charset="0"/>
-                      </a:endParaRPr>
-                    </a:p>
-                  </a:txBody>
-                  <a:tcPr marL="7999" marR="7999" marT="7999" marB="0" anchor="ctr"/>
-                </a:tc>
-                <a:tc>
-                  <a:txBody>
-                    <a:bodyPr/>
-                    <a:lstStyle/>
-                    <a:p>
-                      <a:pPr algn="ctr" rtl="0" fontAlgn="ctr"/>
-                      <a:r>
-                        <a:rPr lang="en-US" sz="1100" u="none" strike="noStrike" dirty="0" err="1">
-                          <a:effectLst/>
-                        </a:rPr>
-                        <a:t>debian</a:t>
-                      </a:r>
-                      <a:r>
-                        <a:rPr lang="en-US" sz="1100" u="none" strike="noStrike" dirty="0">
-                          <a:effectLst/>
-                        </a:rPr>
-                        <a:t>, ubuntu, fedora, </a:t>
-                      </a:r>
-                      <a:r>
-                        <a:rPr lang="en-US" sz="1100" u="none" strike="noStrike" dirty="0" err="1">
-                          <a:effectLst/>
-                        </a:rPr>
-                        <a:t>opensuse</a:t>
-                      </a:r>
-                      <a:endParaRPr lang="en-US" sz="1100" b="0" i="0" u="none" strike="noStrike" dirty="0">
-                        <a:solidFill>
-                          <a:srgbClr val="000000"/>
-                        </a:solidFill>
-                        <a:effectLst/>
-                        <a:latin typeface="Calibri" panose="020F0502020204030204" pitchFamily="34" charset="0"/>
-                      </a:endParaRPr>
-                    </a:p>
-                  </a:txBody>
-                  <a:tcPr marL="7999" marR="7999" marT="7999" marB="0" anchor="ctr"/>
-                </a:tc>
-                <a:tc>
-                  <a:txBody>
-                    <a:bodyPr/>
-                    <a:lstStyle/>
-                    <a:p>
-                      <a:pPr algn="ctr" rtl="0" fontAlgn="ctr"/>
-                      <a:r>
                         <a:rPr lang="en-US" sz="1100" b="0" i="0" u="none" strike="noStrike" dirty="0">
                           <a:solidFill>
                             <a:srgbClr val="000000"/>
@@ -3833,7 +3582,7 @@
         </p:nvSpPr>
         <p:spPr>
           <a:xfrm>
-            <a:off x="3010817" y="5792883"/>
+            <a:off x="3728563" y="5730926"/>
             <a:ext cx="966952" cy="430887"/>
           </a:xfrm>
           <a:prstGeom prst="rect">
@@ -3882,7 +3631,7 @@
         </p:nvSpPr>
         <p:spPr>
           <a:xfrm>
-            <a:off x="4287479" y="5794672"/>
+            <a:off x="5005225" y="5732715"/>
             <a:ext cx="1196058" cy="430887"/>
           </a:xfrm>
           <a:prstGeom prst="rect">
@@ -3931,7 +3680,7 @@
         </p:nvSpPr>
         <p:spPr>
           <a:xfrm>
-            <a:off x="3683282" y="6304954"/>
+            <a:off x="4401028" y="6242997"/>
             <a:ext cx="1800255" cy="430887"/>
           </a:xfrm>
           <a:prstGeom prst="rect">
@@ -3980,7 +3729,7 @@
         </p:nvSpPr>
         <p:spPr>
           <a:xfrm>
-            <a:off x="5808508" y="5807345"/>
+            <a:off x="6526254" y="5745388"/>
             <a:ext cx="1093076" cy="430887"/>
           </a:xfrm>
           <a:prstGeom prst="rect">
@@ -4029,7 +3778,7 @@
         </p:nvSpPr>
         <p:spPr>
           <a:xfrm>
-            <a:off x="7177645" y="5948212"/>
+            <a:off x="7895391" y="5886255"/>
             <a:ext cx="1093076" cy="430887"/>
           </a:xfrm>
           <a:prstGeom prst="rect">
@@ -4082,7 +3831,7 @@
         </p:nvCxnSpPr>
         <p:spPr>
           <a:xfrm>
-            <a:off x="3977769" y="6008327"/>
+            <a:off x="4695515" y="5946370"/>
             <a:ext cx="309710" cy="1789"/>
           </a:xfrm>
           <a:prstGeom prst="straightConnector1">
@@ -4128,7 +3877,7 @@
         </p:nvCxnSpPr>
         <p:spPr>
           <a:xfrm>
-            <a:off x="5483537" y="6010116"/>
+            <a:off x="6201283" y="5948159"/>
             <a:ext cx="324971" cy="12673"/>
           </a:xfrm>
           <a:prstGeom prst="straightConnector1">
@@ -4174,7 +3923,7 @@
         </p:nvCxnSpPr>
         <p:spPr>
           <a:xfrm flipV="1">
-            <a:off x="6881751" y="6163656"/>
+            <a:off x="7599497" y="6101699"/>
             <a:ext cx="295894" cy="364596"/>
           </a:xfrm>
           <a:prstGeom prst="straightConnector1">
@@ -4220,7 +3969,7 @@
         </p:nvCxnSpPr>
         <p:spPr>
           <a:xfrm>
-            <a:off x="3494293" y="6223770"/>
+            <a:off x="4212039" y="6161813"/>
             <a:ext cx="188989" cy="296628"/>
           </a:xfrm>
           <a:prstGeom prst="straightConnector1">
@@ -4266,7 +4015,7 @@
         </p:nvCxnSpPr>
         <p:spPr>
           <a:xfrm>
-            <a:off x="5483537" y="6010116"/>
+            <a:off x="6201283" y="5948159"/>
             <a:ext cx="305138" cy="518136"/>
           </a:xfrm>
           <a:prstGeom prst="straightConnector1">
@@ -4306,14 +4055,14 @@
           <p:cNvCxnSpPr>
             <a:cxnSpLocks/>
             <a:stCxn id="58" idx="3"/>
-            <a:endCxn id="37" idx="1"/>
+            <a:endCxn id="38" idx="1"/>
           </p:cNvCxnSpPr>
           <p:nvPr/>
         </p:nvCxnSpPr>
         <p:spPr>
           <a:xfrm>
-            <a:off x="6881751" y="6528252"/>
-            <a:ext cx="256228" cy="76017"/>
+            <a:off x="7599497" y="6466295"/>
+            <a:ext cx="305138" cy="78430"/>
           </a:xfrm>
           <a:prstGeom prst="straightConnector1">
             <a:avLst/>
@@ -4342,10 +4091,10 @@
       </p:cxnSp>
       <p:sp>
         <p:nvSpPr>
-          <p:cNvPr id="37" name="TextBox 36">
+          <p:cNvPr id="38" name="TextBox 37">
             <a:extLst>
               <a:ext uri="{FF2B5EF4-FFF2-40B4-BE49-F238E27FC236}">
-                <a16:creationId xmlns:a16="http://schemas.microsoft.com/office/drawing/2014/main" id="{21635D0E-68C7-5907-1032-C91522337C94}"/>
+                <a16:creationId xmlns:a16="http://schemas.microsoft.com/office/drawing/2014/main" id="{7AAB9B3C-1227-ED6F-6B2B-5C6BDE045749}"/>
               </a:ext>
             </a:extLst>
           </p:cNvPr>
@@ -4354,8 +4103,8 @@
         </p:nvSpPr>
         <p:spPr>
           <a:xfrm>
-            <a:off x="7137979" y="6473464"/>
-            <a:ext cx="1093076" cy="261610"/>
+            <a:off x="7904635" y="6413920"/>
+            <a:ext cx="1213941" cy="261610"/>
           </a:xfrm>
           <a:prstGeom prst="rect">
             <a:avLst/>
@@ -4384,208 +4133,11 @@
             <a:pPr algn="ctr"/>
             <a:r>
               <a:rPr lang="en-CH" sz="1100" dirty="0"/>
-              <a:t>ubuntu OK?</a:t>
-            </a:r>
-          </a:p>
-        </p:txBody>
-      </p:sp>
-      <p:sp>
-        <p:nvSpPr>
-          <p:cNvPr id="38" name="TextBox 37">
-            <a:extLst>
-              <a:ext uri="{FF2B5EF4-FFF2-40B4-BE49-F238E27FC236}">
-                <a16:creationId xmlns:a16="http://schemas.microsoft.com/office/drawing/2014/main" id="{7AAB9B3C-1227-ED6F-6B2B-5C6BDE045749}"/>
-              </a:ext>
-            </a:extLst>
-          </p:cNvPr>
-          <p:cNvSpPr txBox="1"/>
-          <p:nvPr/>
-        </p:nvSpPr>
-        <p:spPr>
-          <a:xfrm>
-            <a:off x="8455200" y="5984652"/>
-            <a:ext cx="1213941" cy="430887"/>
-          </a:xfrm>
-          <a:prstGeom prst="rect">
-            <a:avLst/>
-          </a:prstGeom>
-        </p:spPr>
-        <p:style>
-          <a:lnRef idx="2">
-            <a:schemeClr val="dk1"/>
-          </a:lnRef>
-          <a:fillRef idx="1">
-            <a:schemeClr val="lt1"/>
-          </a:fillRef>
-          <a:effectRef idx="0">
-            <a:schemeClr val="dk1"/>
-          </a:effectRef>
-          <a:fontRef idx="minor">
-            <a:schemeClr val="dk1"/>
-          </a:fontRef>
-        </p:style>
-        <p:txBody>
-          <a:bodyPr wrap="square" rtlCol="0">
-            <a:spAutoFit/>
-          </a:bodyPr>
-          <a:lstStyle/>
-          <a:p>
-            <a:pPr algn="ctr"/>
-            <a:r>
-              <a:rPr lang="en-CH" sz="1100" dirty="0"/>
               <a:t>rocker/r2u</a:t>
             </a:r>
           </a:p>
-          <a:p>
-            <a:pPr algn="ctr"/>
-            <a:r>
-              <a:rPr lang="en-CH" sz="1100" dirty="0"/>
-              <a:t>rocker/r-ubuntu</a:t>
-            </a:r>
-          </a:p>
-        </p:txBody>
-      </p:sp>
-      <p:cxnSp>
-        <p:nvCxnSpPr>
-          <p:cNvPr id="40" name="Straight Arrow Connector 39">
-            <a:extLst>
-              <a:ext uri="{FF2B5EF4-FFF2-40B4-BE49-F238E27FC236}">
-                <a16:creationId xmlns:a16="http://schemas.microsoft.com/office/drawing/2014/main" id="{D70DDC6E-6CA2-7D06-76AD-C7C9D285766B}"/>
-              </a:ext>
-            </a:extLst>
-          </p:cNvPr>
-          <p:cNvCxnSpPr>
-            <a:cxnSpLocks/>
-            <a:stCxn id="37" idx="3"/>
-            <a:endCxn id="38" idx="1"/>
-          </p:cNvCxnSpPr>
-          <p:nvPr/>
-        </p:nvCxnSpPr>
-        <p:spPr>
-          <a:xfrm flipV="1">
-            <a:off x="8231055" y="6200096"/>
-            <a:ext cx="224145" cy="404173"/>
-          </a:xfrm>
-          <a:prstGeom prst="straightConnector1">
-            <a:avLst/>
-          </a:prstGeom>
-          <a:ln w="28575">
-            <a:solidFill>
-              <a:schemeClr val="accent6"/>
-            </a:solidFill>
-            <a:tailEnd type="triangle"/>
-          </a:ln>
-        </p:spPr>
-        <p:style>
-          <a:lnRef idx="1">
-            <a:schemeClr val="accent1"/>
-          </a:lnRef>
-          <a:fillRef idx="0">
-            <a:schemeClr val="accent1"/>
-          </a:fillRef>
-          <a:effectRef idx="0">
-            <a:schemeClr val="accent1"/>
-          </a:effectRef>
-          <a:fontRef idx="minor">
-            <a:schemeClr val="tx1"/>
-          </a:fontRef>
-        </p:style>
-      </p:cxnSp>
-      <p:sp>
-        <p:nvSpPr>
-          <p:cNvPr id="44" name="TextBox 43">
-            <a:extLst>
-              <a:ext uri="{FF2B5EF4-FFF2-40B4-BE49-F238E27FC236}">
-                <a16:creationId xmlns:a16="http://schemas.microsoft.com/office/drawing/2014/main" id="{8236B06F-8452-715E-2F9D-DB1D2F862D5B}"/>
-              </a:ext>
-            </a:extLst>
-          </p:cNvPr>
-          <p:cNvSpPr txBox="1"/>
-          <p:nvPr/>
-        </p:nvSpPr>
-        <p:spPr>
-          <a:xfrm>
-            <a:off x="8515633" y="6473464"/>
-            <a:ext cx="1093076" cy="261610"/>
-          </a:xfrm>
-          <a:prstGeom prst="rect">
-            <a:avLst/>
-          </a:prstGeom>
-        </p:spPr>
-        <p:style>
-          <a:lnRef idx="2">
-            <a:schemeClr val="dk1"/>
-          </a:lnRef>
-          <a:fillRef idx="1">
-            <a:schemeClr val="lt1"/>
-          </a:fillRef>
-          <a:effectRef idx="0">
-            <a:schemeClr val="dk1"/>
-          </a:effectRef>
-          <a:fontRef idx="minor">
-            <a:schemeClr val="dk1"/>
-          </a:fontRef>
-        </p:style>
-        <p:txBody>
-          <a:bodyPr wrap="square" rtlCol="0">
-            <a:spAutoFit/>
-          </a:bodyPr>
-          <a:lstStyle/>
-          <a:p>
-            <a:pPr algn="ctr"/>
-            <a:r>
-              <a:rPr lang="en-CH" sz="1100" dirty="0"/>
-              <a:t>rocker/r-bspm</a:t>
-            </a:r>
-          </a:p>
-        </p:txBody>
-      </p:sp>
-      <p:cxnSp>
-        <p:nvCxnSpPr>
-          <p:cNvPr id="45" name="Straight Arrow Connector 44">
-            <a:extLst>
-              <a:ext uri="{FF2B5EF4-FFF2-40B4-BE49-F238E27FC236}">
-                <a16:creationId xmlns:a16="http://schemas.microsoft.com/office/drawing/2014/main" id="{611F7267-7C1C-977D-A1BE-F19C5F960167}"/>
-              </a:ext>
-            </a:extLst>
-          </p:cNvPr>
-          <p:cNvCxnSpPr>
-            <a:cxnSpLocks/>
-            <a:stCxn id="37" idx="3"/>
-            <a:endCxn id="44" idx="1"/>
-          </p:cNvCxnSpPr>
-          <p:nvPr/>
-        </p:nvCxnSpPr>
-        <p:spPr>
-          <a:xfrm>
-            <a:off x="8231055" y="6604269"/>
-            <a:ext cx="284578" cy="0"/>
-          </a:xfrm>
-          <a:prstGeom prst="straightConnector1">
-            <a:avLst/>
-          </a:prstGeom>
-          <a:ln w="28575">
-            <a:solidFill>
-              <a:srgbClr val="C00000"/>
-            </a:solidFill>
-            <a:tailEnd type="triangle"/>
-          </a:ln>
-        </p:spPr>
-        <p:style>
-          <a:lnRef idx="1">
-            <a:schemeClr val="accent1"/>
-          </a:lnRef>
-          <a:fillRef idx="0">
-            <a:schemeClr val="accent1"/>
-          </a:fillRef>
-          <a:effectRef idx="0">
-            <a:schemeClr val="accent1"/>
-          </a:effectRef>
-          <a:fontRef idx="minor">
-            <a:schemeClr val="tx1"/>
-          </a:fontRef>
-        </p:style>
-      </p:cxnSp>
+        </p:txBody>
+      </p:sp>
       <p:sp>
         <p:nvSpPr>
           <p:cNvPr id="58" name="TextBox 57">
@@ -4600,7 +4152,7 @@
         </p:nvSpPr>
         <p:spPr>
           <a:xfrm>
-            <a:off x="5788675" y="6312808"/>
+            <a:off x="6506421" y="6250851"/>
             <a:ext cx="1093076" cy="430887"/>
           </a:xfrm>
           <a:prstGeom prst="rect">
@@ -4649,7 +4201,7 @@
         </p:nvSpPr>
         <p:spPr>
           <a:xfrm>
-            <a:off x="3104746" y="2189346"/>
+            <a:off x="5301156" y="2198302"/>
             <a:ext cx="1836823" cy="861774"/>
           </a:xfrm>
           <a:prstGeom prst="rect">
@@ -5659,8 +5211,8 @@
         </p:nvSpPr>
         <p:spPr>
           <a:xfrm>
-            <a:off x="2864924" y="3214428"/>
-            <a:ext cx="1977815" cy="938719"/>
+            <a:off x="2957204" y="3180381"/>
+            <a:ext cx="1785801" cy="1277273"/>
           </a:xfrm>
           <a:prstGeom prst="rect">
             <a:avLst/>
@@ -6637,7 +6189,7 @@
         </p:nvGrpSpPr>
         <p:grpSpPr>
           <a:xfrm>
-            <a:off x="2916888" y="6360954"/>
+            <a:off x="3634634" y="6298997"/>
             <a:ext cx="776437" cy="401775"/>
             <a:chOff x="8586895" y="5454465"/>
             <a:chExt cx="776437" cy="401775"/>
@@ -6851,7 +6403,7 @@
           <a:p>
             <a:r>
               <a:rPr lang="en-CH" sz="1100" dirty="0">
-                <a:hlinkClick r:id="rId6"/>
+                <a:hlinkClick r:id="rId5"/>
               </a:rPr>
               <a:t>Rocker</a:t>
             </a:r>
@@ -6861,7 +6413,7 @@
             </a:r>
             <a:r>
               <a:rPr lang="en-CH" sz="1100" dirty="0">
-                <a:hlinkClick r:id="rId5"/>
+                <a:hlinkClick r:id="rId4"/>
               </a:rPr>
               <a:t>r2u</a:t>
             </a:r>
@@ -6871,7 +6423,7 @@
             </a:r>
             <a:r>
               <a:rPr lang="en-CH" sz="1100" dirty="0">
-                <a:hlinkClick r:id="rId7"/>
+                <a:hlinkClick r:id="rId6"/>
               </a:rPr>
               <a:t>Carl Boettiger </a:t>
             </a:r>
@@ -6881,7 +6433,7 @@
             </a:r>
             <a:r>
               <a:rPr lang="en-CH" sz="1100" dirty="0">
-                <a:hlinkClick r:id="rId8"/>
+                <a:hlinkClick r:id="rId7"/>
               </a:rPr>
               <a:t>Dirk Eddelbuettel</a:t>
             </a:r>
@@ -6899,7 +6451,7 @@
             </a:r>
             <a:r>
               <a:rPr lang="en-CH" sz="1100" dirty="0">
-                <a:hlinkClick r:id="rId9"/>
+                <a:hlinkClick r:id="rId8"/>
               </a:rPr>
               <a:t>Geert van Geest</a:t>
             </a:r>
@@ -6960,8 +6512,8 @@
         </p:nvSpPr>
         <p:spPr>
           <a:xfrm>
-            <a:off x="4940949" y="3216042"/>
-            <a:ext cx="4037029" cy="430887"/>
+            <a:off x="3098903" y="2197967"/>
+            <a:ext cx="2090928" cy="600164"/>
           </a:xfrm>
           <a:prstGeom prst="rect">
             <a:avLst/>
@@ -7000,7 +6552,7 @@
             </a:r>
             <a:r>
               <a:rPr lang="en-CH" sz="1100" dirty="0">
-                <a:hlinkClick r:id="rId10"/>
+                <a:hlinkClick r:id="rId9"/>
               </a:rPr>
               <a:t>littler</a:t>
             </a:r>
@@ -7010,7 +6562,7 @@
             </a:r>
             <a:r>
               <a:rPr lang="en-CH" sz="1100" dirty="0">
-                <a:hlinkClick r:id="rId11"/>
+                <a:hlinkClick r:id="rId10"/>
               </a:rPr>
               <a:t>here</a:t>
             </a:r>
@@ -7227,8 +6779,8 @@
         </p:nvSpPr>
         <p:spPr>
           <a:xfrm>
-            <a:off x="289326" y="4635887"/>
-            <a:ext cx="3114113" cy="907941"/>
+            <a:off x="289326" y="4719264"/>
+            <a:ext cx="3688443" cy="769441"/>
           </a:xfrm>
           <a:prstGeom prst="rect">
             <a:avLst/>
@@ -7346,8 +6898,6 @@
               <a:rPr lang="en-US" sz="1100" dirty="0"/>
               <a:t>- RSPM: </a:t>
             </a:r>
-          </a:p>
-          <a:p>
             <a:r>
               <a:rPr lang="en-US" sz="800" dirty="0">
                 <a:solidFill>
@@ -7424,145 +6974,6 @@
               <a:latin typeface="Menlo" panose="020B0609030804020204" pitchFamily="49" charset="0"/>
               <a:ea typeface="Menlo" panose="020B0609030804020204" pitchFamily="49" charset="0"/>
               <a:cs typeface="Menlo" panose="020B0609030804020204" pitchFamily="49" charset="0"/>
-            </a:endParaRPr>
-          </a:p>
-        </p:txBody>
-      </p:sp>
-      <p:sp>
-        <p:nvSpPr>
-          <p:cNvPr id="107" name="TextBox 106">
-            <a:extLst>
-              <a:ext uri="{FF2B5EF4-FFF2-40B4-BE49-F238E27FC236}">
-                <a16:creationId xmlns:a16="http://schemas.microsoft.com/office/drawing/2014/main" id="{718BBF65-C5B4-637C-DE8A-FB98CA2EF57D}"/>
-              </a:ext>
-            </a:extLst>
-          </p:cNvPr>
-          <p:cNvSpPr txBox="1"/>
-          <p:nvPr/>
-        </p:nvSpPr>
-        <p:spPr>
-          <a:xfrm>
-            <a:off x="5133492" y="2197518"/>
-            <a:ext cx="2015671" cy="861774"/>
-          </a:xfrm>
-          <a:prstGeom prst="rect">
-            <a:avLst/>
-          </a:prstGeom>
-          <a:solidFill>
-            <a:schemeClr val="bg2"/>
-          </a:solidFill>
-        </p:spPr>
-        <p:txBody>
-          <a:bodyPr wrap="square" rtlCol="0">
-            <a:spAutoFit/>
-          </a:bodyPr>
-          <a:lstStyle/>
-          <a:p>
-            <a:r>
-              <a:rPr lang="en-US" sz="1000" b="0" dirty="0">
-                <a:solidFill>
-                  <a:srgbClr val="0000FF"/>
-                </a:solidFill>
-                <a:effectLst/>
-                <a:latin typeface="Menlo" panose="020B0609030804020204" pitchFamily="49" charset="0"/>
-              </a:rPr>
-              <a:t>FROM</a:t>
-            </a:r>
-            <a:r>
-              <a:rPr lang="en-US" sz="1000" b="0" dirty="0">
-                <a:solidFill>
-                  <a:srgbClr val="000000"/>
-                </a:solidFill>
-                <a:effectLst/>
-                <a:latin typeface="Menlo" panose="020B0609030804020204" pitchFamily="49" charset="0"/>
-              </a:rPr>
-              <a:t> rocker/r-bspm:f37</a:t>
-            </a:r>
-          </a:p>
-          <a:p>
-            <a:br>
-              <a:rPr lang="en-US" sz="1000" b="0" dirty="0">
-                <a:solidFill>
-                  <a:srgbClr val="000000"/>
-                </a:solidFill>
-                <a:effectLst/>
-                <a:latin typeface="Menlo" panose="020B0609030804020204" pitchFamily="49" charset="0"/>
-              </a:rPr>
-            </a:br>
-            <a:r>
-              <a:rPr lang="en-US" sz="1000" b="0" dirty="0">
-                <a:solidFill>
-                  <a:srgbClr val="0000FF"/>
-                </a:solidFill>
-                <a:effectLst/>
-                <a:latin typeface="Menlo" panose="020B0609030804020204" pitchFamily="49" charset="0"/>
-              </a:rPr>
-              <a:t>RUN</a:t>
-            </a:r>
-            <a:r>
-              <a:rPr lang="en-US" sz="1000" b="0" dirty="0">
-                <a:solidFill>
-                  <a:srgbClr val="000000"/>
-                </a:solidFill>
-                <a:effectLst/>
-                <a:latin typeface="Menlo" panose="020B0609030804020204" pitchFamily="49" charset="0"/>
-              </a:rPr>
-              <a:t> R -e </a:t>
-            </a:r>
-            <a:r>
-              <a:rPr lang="en-US" sz="1000" b="0" dirty="0">
-                <a:solidFill>
-                  <a:srgbClr val="0000FF"/>
-                </a:solidFill>
-                <a:effectLst/>
-                <a:latin typeface="Menlo" panose="020B0609030804020204" pitchFamily="49" charset="0"/>
-              </a:rPr>
-              <a:t>\ </a:t>
-            </a:r>
-            <a:r>
-              <a:rPr lang="en-US" sz="1000" b="0" dirty="0">
-                <a:solidFill>
-                  <a:srgbClr val="A31515"/>
-                </a:solidFill>
-                <a:effectLst/>
-                <a:latin typeface="Menlo" panose="020B0609030804020204" pitchFamily="49" charset="0"/>
-              </a:rPr>
-              <a:t>'</a:t>
-            </a:r>
-            <a:r>
-              <a:rPr lang="en-US" sz="1000" b="0" dirty="0" err="1">
-                <a:solidFill>
-                  <a:srgbClr val="A31515"/>
-                </a:solidFill>
-                <a:effectLst/>
-                <a:latin typeface="Menlo" panose="020B0609030804020204" pitchFamily="49" charset="0"/>
-              </a:rPr>
-              <a:t>install.packages</a:t>
-            </a:r>
-            <a:r>
-              <a:rPr lang="en-US" sz="1000" b="0" dirty="0">
-                <a:solidFill>
-                  <a:srgbClr val="A31515"/>
-                </a:solidFill>
-                <a:effectLst/>
-                <a:latin typeface="Menlo" panose="020B0609030804020204" pitchFamily="49" charset="0"/>
-              </a:rPr>
-              <a:t>("DT")'</a:t>
-            </a:r>
-            <a:endParaRPr lang="en-US" sz="1000" b="0" dirty="0">
-              <a:solidFill>
-                <a:srgbClr val="000000"/>
-              </a:solidFill>
-              <a:effectLst/>
-              <a:latin typeface="Menlo" panose="020B0609030804020204" pitchFamily="49" charset="0"/>
-            </a:endParaRPr>
-          </a:p>
-          <a:p>
-            <a:endParaRPr lang="en-US" sz="1000" dirty="0">
-              <a:solidFill>
-                <a:srgbClr val="A31515"/>
-              </a:solidFill>
-              <a:latin typeface="Menlo" panose="020B0609030804020204" pitchFamily="49" charset="0"/>
             </a:endParaRPr>
           </a:p>
         </p:txBody>
@@ -7582,13 +6993,13 @@
           <p:nvPr/>
         </p:nvPicPr>
         <p:blipFill rotWithShape="1">
-          <a:blip r:embed="rId12"/>
+          <a:blip r:embed="rId11"/>
           <a:srcRect l="16544" b="69142"/>
           <a:stretch/>
         </p:blipFill>
         <p:spPr>
           <a:xfrm>
-            <a:off x="6255593" y="4803768"/>
+            <a:off x="8306093" y="4815024"/>
             <a:ext cx="282985" cy="105271"/>
           </a:xfrm>
           <a:prstGeom prst="rect">
@@ -7611,100 +7022,13 @@
           <p:nvPr/>
         </p:nvPicPr>
         <p:blipFill rotWithShape="1">
-          <a:blip r:embed="rId12"/>
+          <a:blip r:embed="rId11"/>
           <a:srcRect l="16544" b="69142"/>
           <a:stretch/>
         </p:blipFill>
         <p:spPr>
           <a:xfrm>
-            <a:off x="7269838" y="4798514"/>
-            <a:ext cx="282985" cy="105271"/>
-          </a:xfrm>
-          <a:prstGeom prst="rect">
-            <a:avLst/>
-          </a:prstGeom>
-        </p:spPr>
-      </p:pic>
-      <p:pic>
-        <p:nvPicPr>
-          <p:cNvPr id="124" name="Picture 123" descr="Icon&#10;&#10;Description automatically generated">
-            <a:extLst>
-              <a:ext uri="{FF2B5EF4-FFF2-40B4-BE49-F238E27FC236}">
-                <a16:creationId xmlns:a16="http://schemas.microsoft.com/office/drawing/2014/main" id="{22620378-D201-44E8-25D5-BF5D23117B2B}"/>
-              </a:ext>
-            </a:extLst>
-          </p:cNvPr>
-          <p:cNvPicPr>
-            <a:picLocks noChangeAspect="1"/>
-          </p:cNvPicPr>
-          <p:nvPr/>
-        </p:nvPicPr>
-        <p:blipFill rotWithShape="1">
-          <a:blip r:embed="rId12"/>
-          <a:srcRect l="16544" b="69142"/>
-          <a:stretch/>
-        </p:blipFill>
-        <p:spPr>
-          <a:xfrm>
-            <a:off x="8284083" y="4803778"/>
-            <a:ext cx="282985" cy="105271"/>
-          </a:xfrm>
-          <a:prstGeom prst="rect">
-            <a:avLst/>
-          </a:prstGeom>
-        </p:spPr>
-      </p:pic>
-      <p:pic>
-        <p:nvPicPr>
-          <p:cNvPr id="129" name="Picture 128" descr="Icon&#10;&#10;Description automatically generated">
-            <a:extLst>
-              <a:ext uri="{FF2B5EF4-FFF2-40B4-BE49-F238E27FC236}">
-                <a16:creationId xmlns:a16="http://schemas.microsoft.com/office/drawing/2014/main" id="{6B22C995-61A5-18C2-C2F1-049F18BC705E}"/>
-              </a:ext>
-            </a:extLst>
-          </p:cNvPr>
-          <p:cNvPicPr>
-            <a:picLocks noChangeAspect="1"/>
-          </p:cNvPicPr>
-          <p:nvPr/>
-        </p:nvPicPr>
-        <p:blipFill rotWithShape="1">
-          <a:blip r:embed="rId12"/>
-          <a:srcRect l="16544" b="69142"/>
-          <a:stretch/>
-        </p:blipFill>
-        <p:spPr>
-          <a:xfrm>
-            <a:off x="9298328" y="4809032"/>
-            <a:ext cx="282985" cy="105271"/>
-          </a:xfrm>
-          <a:prstGeom prst="rect">
-            <a:avLst/>
-          </a:prstGeom>
-        </p:spPr>
-      </p:pic>
-      <p:pic>
-        <p:nvPicPr>
-          <p:cNvPr id="130" name="Picture 129" descr="Icon&#10;&#10;Description automatically generated">
-            <a:extLst>
-              <a:ext uri="{FF2B5EF4-FFF2-40B4-BE49-F238E27FC236}">
-                <a16:creationId xmlns:a16="http://schemas.microsoft.com/office/drawing/2014/main" id="{82A93D36-BF4A-BCF8-7207-3372EFDAA635}"/>
-              </a:ext>
-            </a:extLst>
-          </p:cNvPr>
-          <p:cNvPicPr>
-            <a:picLocks noChangeAspect="1"/>
-          </p:cNvPicPr>
-          <p:nvPr/>
-        </p:nvPicPr>
-        <p:blipFill rotWithShape="1">
-          <a:blip r:embed="rId12"/>
-          <a:srcRect l="16544" b="69142"/>
-          <a:stretch/>
-        </p:blipFill>
-        <p:spPr>
-          <a:xfrm>
-            <a:off x="8667989" y="5078658"/>
+            <a:off x="9320338" y="4809770"/>
             <a:ext cx="282985" cy="105271"/>
           </a:xfrm>
           <a:prstGeom prst="rect">
@@ -7727,13 +7051,13 @@
           <p:nvPr/>
         </p:nvPicPr>
         <p:blipFill rotWithShape="1">
-          <a:blip r:embed="rId12"/>
+          <a:blip r:embed="rId11"/>
           <a:srcRect l="16544" b="69142"/>
           <a:stretch/>
         </p:blipFill>
         <p:spPr>
           <a:xfrm>
-            <a:off x="7793539" y="5154457"/>
+            <a:off x="8672877" y="5080969"/>
             <a:ext cx="282985" cy="105271"/>
           </a:xfrm>
           <a:prstGeom prst="rect">
@@ -7755,10 +7079,10 @@
         </p:nvGrpSpPr>
         <p:grpSpPr>
           <a:xfrm>
-            <a:off x="3288682" y="4176230"/>
-            <a:ext cx="1434324" cy="430887"/>
-            <a:chOff x="3554298" y="4147800"/>
-            <a:chExt cx="1434324" cy="430887"/>
+            <a:off x="4267768" y="4797869"/>
+            <a:ext cx="1343424" cy="600164"/>
+            <a:chOff x="3573987" y="4474082"/>
+            <a:chExt cx="1343424" cy="600164"/>
           </a:xfrm>
         </p:grpSpPr>
         <p:sp>
@@ -7775,8 +7099,8 @@
           </p:nvSpPr>
           <p:spPr>
             <a:xfrm>
-              <a:off x="3554298" y="4147800"/>
-              <a:ext cx="1434324" cy="430887"/>
+              <a:off x="3573987" y="4474082"/>
+              <a:ext cx="1343424" cy="600164"/>
             </a:xfrm>
             <a:prstGeom prst="rect">
               <a:avLst/>
@@ -7812,13 +7136,13 @@
             <p:nvPr/>
           </p:nvPicPr>
           <p:blipFill rotWithShape="1">
-            <a:blip r:embed="rId12"/>
+            <a:blip r:embed="rId11"/>
             <a:srcRect l="16544" b="69142"/>
             <a:stretch/>
           </p:blipFill>
           <p:spPr>
             <a:xfrm>
-              <a:off x="4116697" y="4238006"/>
+              <a:off x="4025756" y="4546954"/>
               <a:ext cx="282985" cy="105271"/>
             </a:xfrm>
             <a:prstGeom prst="rect">
